--- a/PPTs/04 NPM.pptx
+++ b/PPTs/04 NPM.pptx
@@ -231,7 +231,7 @@
             <a:fld id="{BC6FC07C-0485-40B9-BC68-01FB6F3C1F19}" type="datetimeFigureOut">
               <a:rPr lang="en-US" smtClean="0"/>
               <a:pPr/>
-              <a:t>3/22/2018</a:t>
+              <a:t>3/25/2018</a:t>
             </a:fld>
             <a:endParaRPr lang="en-US"/>
           </a:p>
@@ -6614,7 +6614,7 @@
           <a:p>
             <a:r>
               <a:rPr lang="en-US" dirty="0"/>
-              <a:t>Still there are cases where the same package resides </a:t>
+              <a:t>The same package might reside multiple times inside </a:t>
             </a:r>
             <a:r>
               <a:rPr lang="en-US" dirty="0" err="1"/>
@@ -6632,7 +6632,7 @@
           <a:p>
             <a:r>
               <a:rPr lang="en-US" dirty="0"/>
-              <a:t>You might end with multiple instance of the same package at runtime </a:t>
+              <a:t>Might lead to multiple instances of the same package at runtime </a:t>
             </a:r>
             <a:r>
               <a:rPr lang="en-US" dirty="0">
@@ -6809,7 +6809,7 @@
           <a:p>
             <a:r>
               <a:rPr lang="en-US" dirty="0"/>
-              <a:t>Should use it when publishing a package that has dependency that is being used also by the application</a:t>
+              <a:t>Use it when publishing a package that has dependency that is being used also by the application</a:t>
             </a:r>
           </a:p>
         </p:txBody>
@@ -6991,7 +6991,7 @@
           <a:p>
             <a:r>
               <a:rPr lang="en-US" dirty="0"/>
-              <a:t>Use it when installing packaging that are not need at runtime</a:t>
+              <a:t>Use it when installing packages that are not needed at runtime</a:t>
             </a:r>
           </a:p>
           <a:p>
@@ -7007,10 +7007,18 @@
               <a:t>At production NPM does not install </a:t>
             </a:r>
             <a:r>
-              <a:rPr lang="en-US" dirty="0" err="1"/>
+              <a:rPr lang="en-US" dirty="0" err="1">
+                <a:solidFill>
+                  <a:srgbClr val="FF0000"/>
+                </a:solidFill>
+              </a:rPr>
               <a:t>devDependencies</a:t>
             </a:r>
-            <a:endParaRPr lang="en-US" dirty="0"/>
+            <a:endParaRPr lang="en-US" dirty="0">
+              <a:solidFill>
+                <a:srgbClr val="FF0000"/>
+              </a:solidFill>
+            </a:endParaRPr>
           </a:p>
           <a:p>
             <a:pPr lvl="1"/>
@@ -7213,7 +7221,7 @@
           <a:p>
             <a:r>
               <a:rPr lang="en-US" dirty="0"/>
-              <a:t>Consider cleaning directory before publish it</a:t>
+              <a:t>Consider cleaning directory before publishing it</a:t>
             </a:r>
           </a:p>
           <a:p>
@@ -7794,7 +7802,7 @@
               <a:rPr lang="en-US" dirty="0">
                 <a:sym typeface="Wingdings" panose="05000000000000000000" pitchFamily="2" charset="2"/>
               </a:rPr>
-              <a:t></a:t>
+              <a:t></a:t>
             </a:r>
           </a:p>
           <a:p>
@@ -7802,7 +7810,7 @@
               <a:rPr lang="en-US" dirty="0">
                 <a:sym typeface="Wingdings" panose="05000000000000000000" pitchFamily="2" charset="2"/>
               </a:rPr>
-              <a:t>Yarn will </a:t>
+              <a:t>Yarn will </a:t>
             </a:r>
             <a:endParaRPr lang="en-US" dirty="0"/>
           </a:p>
@@ -8882,7 +8890,7 @@
           <a:p>
             <a:r>
               <a:rPr lang="en-US" dirty="0"/>
-              <a:t>A set of publicly available reusable components, available through easy installation via an online repository, with version and dependency management</a:t>
+              <a:t>“A set of publicly available reusable components, available through easy installation via an online repository, with version and dependency management”</a:t>
             </a:r>
           </a:p>
           <a:p>
@@ -9079,7 +9087,7 @@
           <a:p>
             <a:r>
               <a:rPr lang="en-US" dirty="0"/>
-              <a:t>Run the </a:t>
+              <a:t>Runs the </a:t>
             </a:r>
             <a:r>
               <a:rPr lang="en-US" dirty="0" err="1"/>
@@ -9874,7 +9882,7 @@
                   <a:srgbClr val="FF0000"/>
                 </a:solidFill>
               </a:rPr>
-              <a:t> install –g express</a:t>
+              <a:t> install –g typescript</a:t>
             </a:r>
           </a:p>
           <a:p>
@@ -10107,7 +10115,7 @@
                   <a:srgbClr val="FF0000"/>
                 </a:solidFill>
               </a:rPr>
-              <a:t> install express</a:t>
+              <a:t> install typescript</a:t>
             </a:r>
           </a:p>
           <a:p>
